--- a/pln/OOP - Classes.pptx
+++ b/pln/OOP - Classes.pptx
@@ -262,7 +262,7 @@
           <a:p>
             <a:fld id="{1DA135A4-98B1-4DBA-85F6-3528E1319829}" type="datetimeFigureOut">
               <a:rPr lang="en-US" smtClean="0"/>
-              <a:t>6/24/2021</a:t>
+              <a:t>6/27/2021</a:t>
             </a:fld>
             <a:endParaRPr lang="en-US"/>
           </a:p>
@@ -460,7 +460,7 @@
           <a:p>
             <a:fld id="{1DA135A4-98B1-4DBA-85F6-3528E1319829}" type="datetimeFigureOut">
               <a:rPr lang="en-US" smtClean="0"/>
-              <a:t>6/24/2021</a:t>
+              <a:t>6/27/2021</a:t>
             </a:fld>
             <a:endParaRPr lang="en-US"/>
           </a:p>
@@ -668,7 +668,7 @@
           <a:p>
             <a:fld id="{1DA135A4-98B1-4DBA-85F6-3528E1319829}" type="datetimeFigureOut">
               <a:rPr lang="en-US" smtClean="0"/>
-              <a:t>6/24/2021</a:t>
+              <a:t>6/27/2021</a:t>
             </a:fld>
             <a:endParaRPr lang="en-US"/>
           </a:p>
@@ -866,7 +866,7 @@
           <a:p>
             <a:fld id="{1DA135A4-98B1-4DBA-85F6-3528E1319829}" type="datetimeFigureOut">
               <a:rPr lang="en-US" smtClean="0"/>
-              <a:t>6/24/2021</a:t>
+              <a:t>6/27/2021</a:t>
             </a:fld>
             <a:endParaRPr lang="en-US"/>
           </a:p>
@@ -1141,7 +1141,7 @@
           <a:p>
             <a:fld id="{1DA135A4-98B1-4DBA-85F6-3528E1319829}" type="datetimeFigureOut">
               <a:rPr lang="en-US" smtClean="0"/>
-              <a:t>6/24/2021</a:t>
+              <a:t>6/27/2021</a:t>
             </a:fld>
             <a:endParaRPr lang="en-US"/>
           </a:p>
@@ -1406,7 +1406,7 @@
           <a:p>
             <a:fld id="{1DA135A4-98B1-4DBA-85F6-3528E1319829}" type="datetimeFigureOut">
               <a:rPr lang="en-US" smtClean="0"/>
-              <a:t>6/24/2021</a:t>
+              <a:t>6/27/2021</a:t>
             </a:fld>
             <a:endParaRPr lang="en-US"/>
           </a:p>
@@ -1818,7 +1818,7 @@
           <a:p>
             <a:fld id="{1DA135A4-98B1-4DBA-85F6-3528E1319829}" type="datetimeFigureOut">
               <a:rPr lang="en-US" smtClean="0"/>
-              <a:t>6/24/2021</a:t>
+              <a:t>6/27/2021</a:t>
             </a:fld>
             <a:endParaRPr lang="en-US"/>
           </a:p>
@@ -1959,7 +1959,7 @@
           <a:p>
             <a:fld id="{1DA135A4-98B1-4DBA-85F6-3528E1319829}" type="datetimeFigureOut">
               <a:rPr lang="en-US" smtClean="0"/>
-              <a:t>6/24/2021</a:t>
+              <a:t>6/27/2021</a:t>
             </a:fld>
             <a:endParaRPr lang="en-US"/>
           </a:p>
@@ -2072,7 +2072,7 @@
           <a:p>
             <a:fld id="{1DA135A4-98B1-4DBA-85F6-3528E1319829}" type="datetimeFigureOut">
               <a:rPr lang="en-US" smtClean="0"/>
-              <a:t>6/24/2021</a:t>
+              <a:t>6/27/2021</a:t>
             </a:fld>
             <a:endParaRPr lang="en-US"/>
           </a:p>
@@ -2383,7 +2383,7 @@
           <a:p>
             <a:fld id="{1DA135A4-98B1-4DBA-85F6-3528E1319829}" type="datetimeFigureOut">
               <a:rPr lang="en-US" smtClean="0"/>
-              <a:t>6/24/2021</a:t>
+              <a:t>6/27/2021</a:t>
             </a:fld>
             <a:endParaRPr lang="en-US"/>
           </a:p>
@@ -2671,7 +2671,7 @@
           <a:p>
             <a:fld id="{1DA135A4-98B1-4DBA-85F6-3528E1319829}" type="datetimeFigureOut">
               <a:rPr lang="en-US" smtClean="0"/>
-              <a:t>6/24/2021</a:t>
+              <a:t>6/27/2021</a:t>
             </a:fld>
             <a:endParaRPr lang="en-US"/>
           </a:p>
@@ -2912,7 +2912,7 @@
           <a:p>
             <a:fld id="{1DA135A4-98B1-4DBA-85F6-3528E1319829}" type="datetimeFigureOut">
               <a:rPr lang="en-US" smtClean="0"/>
-              <a:t>6/24/2021</a:t>
+              <a:t>6/27/2021</a:t>
             </a:fld>
             <a:endParaRPr lang="en-US"/>
           </a:p>

--- a/pln/OOP - Classes.pptx
+++ b/pln/OOP - Classes.pptx
@@ -262,7 +262,7 @@
           <a:p>
             <a:fld id="{1DA135A4-98B1-4DBA-85F6-3528E1319829}" type="datetimeFigureOut">
               <a:rPr lang="en-US" smtClean="0"/>
-              <a:t>6/27/2021</a:t>
+              <a:t>6/28/2021</a:t>
             </a:fld>
             <a:endParaRPr lang="en-US"/>
           </a:p>
@@ -460,7 +460,7 @@
           <a:p>
             <a:fld id="{1DA135A4-98B1-4DBA-85F6-3528E1319829}" type="datetimeFigureOut">
               <a:rPr lang="en-US" smtClean="0"/>
-              <a:t>6/27/2021</a:t>
+              <a:t>6/28/2021</a:t>
             </a:fld>
             <a:endParaRPr lang="en-US"/>
           </a:p>
@@ -668,7 +668,7 @@
           <a:p>
             <a:fld id="{1DA135A4-98B1-4DBA-85F6-3528E1319829}" type="datetimeFigureOut">
               <a:rPr lang="en-US" smtClean="0"/>
-              <a:t>6/27/2021</a:t>
+              <a:t>6/28/2021</a:t>
             </a:fld>
             <a:endParaRPr lang="en-US"/>
           </a:p>
@@ -866,7 +866,7 @@
           <a:p>
             <a:fld id="{1DA135A4-98B1-4DBA-85F6-3528E1319829}" type="datetimeFigureOut">
               <a:rPr lang="en-US" smtClean="0"/>
-              <a:t>6/27/2021</a:t>
+              <a:t>6/28/2021</a:t>
             </a:fld>
             <a:endParaRPr lang="en-US"/>
           </a:p>
@@ -1141,7 +1141,7 @@
           <a:p>
             <a:fld id="{1DA135A4-98B1-4DBA-85F6-3528E1319829}" type="datetimeFigureOut">
               <a:rPr lang="en-US" smtClean="0"/>
-              <a:t>6/27/2021</a:t>
+              <a:t>6/28/2021</a:t>
             </a:fld>
             <a:endParaRPr lang="en-US"/>
           </a:p>
@@ -1406,7 +1406,7 @@
           <a:p>
             <a:fld id="{1DA135A4-98B1-4DBA-85F6-3528E1319829}" type="datetimeFigureOut">
               <a:rPr lang="en-US" smtClean="0"/>
-              <a:t>6/27/2021</a:t>
+              <a:t>6/28/2021</a:t>
             </a:fld>
             <a:endParaRPr lang="en-US"/>
           </a:p>
@@ -1818,7 +1818,7 @@
           <a:p>
             <a:fld id="{1DA135A4-98B1-4DBA-85F6-3528E1319829}" type="datetimeFigureOut">
               <a:rPr lang="en-US" smtClean="0"/>
-              <a:t>6/27/2021</a:t>
+              <a:t>6/28/2021</a:t>
             </a:fld>
             <a:endParaRPr lang="en-US"/>
           </a:p>
@@ -1959,7 +1959,7 @@
           <a:p>
             <a:fld id="{1DA135A4-98B1-4DBA-85F6-3528E1319829}" type="datetimeFigureOut">
               <a:rPr lang="en-US" smtClean="0"/>
-              <a:t>6/27/2021</a:t>
+              <a:t>6/28/2021</a:t>
             </a:fld>
             <a:endParaRPr lang="en-US"/>
           </a:p>
@@ -2072,7 +2072,7 @@
           <a:p>
             <a:fld id="{1DA135A4-98B1-4DBA-85F6-3528E1319829}" type="datetimeFigureOut">
               <a:rPr lang="en-US" smtClean="0"/>
-              <a:t>6/27/2021</a:t>
+              <a:t>6/28/2021</a:t>
             </a:fld>
             <a:endParaRPr lang="en-US"/>
           </a:p>
@@ -2383,7 +2383,7 @@
           <a:p>
             <a:fld id="{1DA135A4-98B1-4DBA-85F6-3528E1319829}" type="datetimeFigureOut">
               <a:rPr lang="en-US" smtClean="0"/>
-              <a:t>6/27/2021</a:t>
+              <a:t>6/28/2021</a:t>
             </a:fld>
             <a:endParaRPr lang="en-US"/>
           </a:p>
@@ -2671,7 +2671,7 @@
           <a:p>
             <a:fld id="{1DA135A4-98B1-4DBA-85F6-3528E1319829}" type="datetimeFigureOut">
               <a:rPr lang="en-US" smtClean="0"/>
-              <a:t>6/27/2021</a:t>
+              <a:t>6/28/2021</a:t>
             </a:fld>
             <a:endParaRPr lang="en-US"/>
           </a:p>
@@ -2912,7 +2912,7 @@
           <a:p>
             <a:fld id="{1DA135A4-98B1-4DBA-85F6-3528E1319829}" type="datetimeFigureOut">
               <a:rPr lang="en-US" smtClean="0"/>
-              <a:t>6/27/2021</a:t>
+              <a:t>6/28/2021</a:t>
             </a:fld>
             <a:endParaRPr lang="en-US"/>
           </a:p>
@@ -4428,8 +4428,8 @@
         </p:nvSpPr>
         <p:spPr>
           <a:xfrm>
-            <a:off x="4401207" y="1072056"/>
-            <a:ext cx="3389586" cy="830317"/>
+            <a:off x="4401207" y="855406"/>
+            <a:ext cx="3389586" cy="1046967"/>
           </a:xfrm>
           <a:prstGeom prst="rect">
             <a:avLst/>
@@ -4464,7 +4464,7 @@
             <a:pPr algn="ctr"/>
             <a:r>
               <a:rPr lang="en-US" sz="1600" dirty="0"/>
-              <a:t>Get Time, Calculate Setpoint, Determine Output</a:t>
+              <a:t>Update Parameters, Get Time, Calculate Setpoint, Determine Output, End Test, Save Data</a:t>
             </a:r>
           </a:p>
         </p:txBody>
